--- a/engineering/2017/materials/ppt/webpack.pptx
+++ b/engineering/2017/materials/ppt/webpack.pptx
@@ -272,7 +272,7 @@
             <a:fld id="{97373330-0875-4F54-B846-34A9C5D83194}" type="datetimeFigureOut">
               <a:rPr lang="en-US" smtClean="0"/>
               <a:pPr/>
-              <a:t>07-27-2017</a:t>
+              <a:t>2017-08-28</a:t>
             </a:fld>
             <a:endParaRPr lang="en-US"/>
           </a:p>
@@ -4564,7 +4564,7 @@
           <a:p>
             <a:fld id="{59201AA9-D5CD-4600-8F70-0651DE2C4345}" type="datetimeFigureOut">
               <a:rPr lang="en-US" smtClean="0"/>
-              <a:t>07-27-2017</a:t>
+              <a:t>2017-08-28</a:t>
             </a:fld>
             <a:endParaRPr lang="en-US"/>
           </a:p>
@@ -4732,7 +4732,7 @@
           <a:p>
             <a:fld id="{59201AA9-D5CD-4600-8F70-0651DE2C4345}" type="datetimeFigureOut">
               <a:rPr lang="en-US" smtClean="0"/>
-              <a:t>07-27-2017</a:t>
+              <a:t>2017-08-28</a:t>
             </a:fld>
             <a:endParaRPr lang="en-US"/>
           </a:p>
@@ -4977,7 +4977,7 @@
           <a:p>
             <a:fld id="{59201AA9-D5CD-4600-8F70-0651DE2C4345}" type="datetimeFigureOut">
               <a:rPr lang="en-US" smtClean="0"/>
-              <a:t>07-27-2017</a:t>
+              <a:t>2017-08-28</a:t>
             </a:fld>
             <a:endParaRPr lang="en-US"/>
           </a:p>
@@ -5206,7 +5206,7 @@
           <a:p>
             <a:fld id="{59201AA9-D5CD-4600-8F70-0651DE2C4345}" type="datetimeFigureOut">
               <a:rPr lang="en-US" smtClean="0"/>
-              <a:t>07-27-2017</a:t>
+              <a:t>2017-08-28</a:t>
             </a:fld>
             <a:endParaRPr lang="en-US"/>
           </a:p>
@@ -5570,7 +5570,7 @@
           <a:p>
             <a:fld id="{59201AA9-D5CD-4600-8F70-0651DE2C4345}" type="datetimeFigureOut">
               <a:rPr lang="en-US" smtClean="0"/>
-              <a:t>07-27-2017</a:t>
+              <a:t>2017-08-28</a:t>
             </a:fld>
             <a:endParaRPr lang="en-US"/>
           </a:p>
@@ -5687,7 +5687,7 @@
           <a:p>
             <a:fld id="{59201AA9-D5CD-4600-8F70-0651DE2C4345}" type="datetimeFigureOut">
               <a:rPr lang="en-US" smtClean="0"/>
-              <a:t>07-27-2017</a:t>
+              <a:t>2017-08-28</a:t>
             </a:fld>
             <a:endParaRPr lang="en-US"/>
           </a:p>
@@ -5782,7 +5782,7 @@
           <a:p>
             <a:fld id="{59201AA9-D5CD-4600-8F70-0651DE2C4345}" type="datetimeFigureOut">
               <a:rPr lang="en-US" smtClean="0"/>
-              <a:t>07-27-2017</a:t>
+              <a:t>2017-08-28</a:t>
             </a:fld>
             <a:endParaRPr lang="en-US"/>
           </a:p>
@@ -6137,7 +6137,7 @@
           <a:p>
             <a:fld id="{59201AA9-D5CD-4600-8F70-0651DE2C4345}" type="datetimeFigureOut">
               <a:rPr lang="en-US" smtClean="0"/>
-              <a:t>07-27-2017</a:t>
+              <a:t>2017-08-28</a:t>
             </a:fld>
             <a:endParaRPr lang="en-US"/>
           </a:p>
@@ -6389,7 +6389,7 @@
           <a:p>
             <a:fld id="{59201AA9-D5CD-4600-8F70-0651DE2C4345}" type="datetimeFigureOut">
               <a:rPr lang="en-US" smtClean="0"/>
-              <a:t>07-27-2017</a:t>
+              <a:t>2017-08-28</a:t>
             </a:fld>
             <a:endParaRPr lang="en-US"/>
           </a:p>
@@ -6557,7 +6557,7 @@
           <a:p>
             <a:fld id="{59201AA9-D5CD-4600-8F70-0651DE2C4345}" type="datetimeFigureOut">
               <a:rPr lang="en-US" smtClean="0"/>
-              <a:t>07-27-2017</a:t>
+              <a:t>2017-08-28</a:t>
             </a:fld>
             <a:endParaRPr lang="en-US"/>
           </a:p>
@@ -6735,7 +6735,7 @@
           <a:p>
             <a:fld id="{59201AA9-D5CD-4600-8F70-0651DE2C4345}" type="datetimeFigureOut">
               <a:rPr lang="en-US" smtClean="0"/>
-              <a:t>07-27-2017</a:t>
+              <a:t>2017-08-28</a:t>
             </a:fld>
             <a:endParaRPr lang="en-US"/>
           </a:p>
@@ -8381,7 +8381,7 @@
           <a:p>
             <a:fld id="{63F7325E-846C-4C22-9786-CF2B7230B14E}" type="datetimeFigureOut">
               <a:rPr lang="en-US" smtClean="0"/>
-              <a:t>07-27-2017</a:t>
+              <a:t>2017-08-28</a:t>
             </a:fld>
             <a:endParaRPr lang="en-US"/>
           </a:p>
@@ -10449,7 +10449,7 @@
           <a:p>
             <a:fld id="{59201AA9-D5CD-4600-8F70-0651DE2C4345}" type="datetimeFigureOut">
               <a:rPr lang="en-US" smtClean="0"/>
-              <a:t>07-27-2017</a:t>
+              <a:t>2017-08-28</a:t>
             </a:fld>
             <a:endParaRPr lang="en-US"/>
           </a:p>
@@ -10920,7 +10920,10 @@
           <a:bodyPr/>
           <a:lstStyle/>
           <a:p>
-            <a:endParaRPr lang="en-US" dirty="0"/>
+            <a:r>
+              <a:rPr lang="en-US" dirty="0"/>
+              <a:t>Jason Cui</a:t>
+            </a:r>
           </a:p>
         </p:txBody>
       </p:sp>
@@ -10946,7 +10949,7 @@
           <a:p>
             <a:r>
               <a:rPr lang="en-US" dirty="0"/>
-              <a:t>2017.07.09</a:t>
+              <a:t>2017.08.31</a:t>
             </a:r>
           </a:p>
         </p:txBody>
@@ -12235,6 +12238,9 @@
             </a:r>
           </a:p>
           <a:p>
+            <a:pPr marL="0" indent="0">
+              <a:buNone/>
+            </a:pPr>
             <a:endParaRPr lang="en-US" dirty="0">
               <a:latin typeface="Calibri Light" panose="020F0302020204030204" pitchFamily="34" charset="0"/>
             </a:endParaRPr>
@@ -12265,262 +12271,6 @@
               </a:rPr>
               <a:t>ng-template-loader</a:t>
             </a:r>
-          </a:p>
-        </p:txBody>
-      </p:sp>
-      <p:sp>
-        <p:nvSpPr>
-          <p:cNvPr id="5" name="Rectangle 1"/>
-          <p:cNvSpPr>
-            <a:spLocks noChangeArrowheads="1"/>
-          </p:cNvSpPr>
-          <p:nvPr/>
-        </p:nvSpPr>
-        <p:spPr bwMode="auto">
-          <a:xfrm>
-            <a:off x="0" y="0"/>
-            <a:ext cx="12192000" cy="0"/>
-          </a:xfrm>
-          <a:prstGeom prst="rect">
-            <a:avLst/>
-          </a:prstGeom>
-          <a:noFill/>
-          <a:ln>
-            <a:noFill/>
-          </a:ln>
-          <a:effectLst/>
-          <a:extLst>
-            <a:ext uri="{909E8E84-426E-40DD-AFC4-6F175D3DCCD1}">
-              <a14:hiddenFill xmlns:a14="http://schemas.microsoft.com/office/drawing/2010/main">
-                <a:solidFill>
-                  <a:schemeClr val="accent1"/>
-                </a:solidFill>
-              </a14:hiddenFill>
-            </a:ext>
-            <a:ext uri="{91240B29-F687-4F45-9708-019B960494DF}">
-              <a14:hiddenLine xmlns:a14="http://schemas.microsoft.com/office/drawing/2010/main" w="9525">
-                <a:solidFill>
-                  <a:schemeClr val="tx1"/>
-                </a:solidFill>
-                <a:miter lim="800000"/>
-                <a:headEnd/>
-                <a:tailEnd/>
-              </a14:hiddenLine>
-            </a:ext>
-            <a:ext uri="{AF507438-7753-43E0-B8FC-AC1667EBCBE1}">
-              <a14:hiddenEffects xmlns:a14="http://schemas.microsoft.com/office/drawing/2010/main">
-                <a:effectLst>
-                  <a:outerShdw dist="35921" dir="2700000" algn="ctr" rotWithShape="0">
-                    <a:schemeClr val="bg2"/>
-                  </a:outerShdw>
-                </a:effectLst>
-              </a14:hiddenEffects>
-            </a:ext>
-          </a:extLst>
-        </p:spPr>
-        <p:txBody>
-          <a:bodyPr vert="horz" wrap="square" lIns="12696" tIns="0" rIns="12696" bIns="0" numCol="1" anchor="ctr" anchorCtr="0" compatLnSpc="1">
-            <a:prstTxWarp prst="textNoShape">
-              <a:avLst/>
-            </a:prstTxWarp>
-            <a:spAutoFit/>
-          </a:bodyPr>
-          <a:lstStyle>
-            <a:lvl1pPr eaLnBrk="0" fontAlgn="base" hangingPunct="0">
-              <a:spcBef>
-                <a:spcPct val="0"/>
-              </a:spcBef>
-              <a:spcAft>
-                <a:spcPct val="0"/>
-              </a:spcAft>
-              <a:defRPr>
-                <a:solidFill>
-                  <a:schemeClr val="tx1"/>
-                </a:solidFill>
-                <a:latin typeface="Arial" panose="020B0604020202020204" pitchFamily="34" charset="0"/>
-              </a:defRPr>
-            </a:lvl1pPr>
-            <a:lvl2pPr eaLnBrk="0" fontAlgn="base" hangingPunct="0">
-              <a:spcBef>
-                <a:spcPct val="0"/>
-              </a:spcBef>
-              <a:spcAft>
-                <a:spcPct val="0"/>
-              </a:spcAft>
-              <a:defRPr>
-                <a:solidFill>
-                  <a:schemeClr val="tx1"/>
-                </a:solidFill>
-                <a:latin typeface="Arial" panose="020B0604020202020204" pitchFamily="34" charset="0"/>
-              </a:defRPr>
-            </a:lvl2pPr>
-            <a:lvl3pPr eaLnBrk="0" fontAlgn="base" hangingPunct="0">
-              <a:spcBef>
-                <a:spcPct val="0"/>
-              </a:spcBef>
-              <a:spcAft>
-                <a:spcPct val="0"/>
-              </a:spcAft>
-              <a:defRPr>
-                <a:solidFill>
-                  <a:schemeClr val="tx1"/>
-                </a:solidFill>
-                <a:latin typeface="Arial" panose="020B0604020202020204" pitchFamily="34" charset="0"/>
-              </a:defRPr>
-            </a:lvl3pPr>
-            <a:lvl4pPr eaLnBrk="0" fontAlgn="base" hangingPunct="0">
-              <a:spcBef>
-                <a:spcPct val="0"/>
-              </a:spcBef>
-              <a:spcAft>
-                <a:spcPct val="0"/>
-              </a:spcAft>
-              <a:defRPr>
-                <a:solidFill>
-                  <a:schemeClr val="tx1"/>
-                </a:solidFill>
-                <a:latin typeface="Arial" panose="020B0604020202020204" pitchFamily="34" charset="0"/>
-              </a:defRPr>
-            </a:lvl4pPr>
-            <a:lvl5pPr eaLnBrk="0" fontAlgn="base" hangingPunct="0">
-              <a:spcBef>
-                <a:spcPct val="0"/>
-              </a:spcBef>
-              <a:spcAft>
-                <a:spcPct val="0"/>
-              </a:spcAft>
-              <a:defRPr>
-                <a:solidFill>
-                  <a:schemeClr val="tx1"/>
-                </a:solidFill>
-                <a:latin typeface="Arial" panose="020B0604020202020204" pitchFamily="34" charset="0"/>
-              </a:defRPr>
-            </a:lvl5pPr>
-            <a:lvl6pPr eaLnBrk="0" fontAlgn="base" hangingPunct="0">
-              <a:spcBef>
-                <a:spcPct val="0"/>
-              </a:spcBef>
-              <a:spcAft>
-                <a:spcPct val="0"/>
-              </a:spcAft>
-              <a:defRPr>
-                <a:solidFill>
-                  <a:schemeClr val="tx1"/>
-                </a:solidFill>
-                <a:latin typeface="Arial" panose="020B0604020202020204" pitchFamily="34" charset="0"/>
-              </a:defRPr>
-            </a:lvl6pPr>
-            <a:lvl7pPr eaLnBrk="0" fontAlgn="base" hangingPunct="0">
-              <a:spcBef>
-                <a:spcPct val="0"/>
-              </a:spcBef>
-              <a:spcAft>
-                <a:spcPct val="0"/>
-              </a:spcAft>
-              <a:defRPr>
-                <a:solidFill>
-                  <a:schemeClr val="tx1"/>
-                </a:solidFill>
-                <a:latin typeface="Arial" panose="020B0604020202020204" pitchFamily="34" charset="0"/>
-              </a:defRPr>
-            </a:lvl7pPr>
-            <a:lvl8pPr eaLnBrk="0" fontAlgn="base" hangingPunct="0">
-              <a:spcBef>
-                <a:spcPct val="0"/>
-              </a:spcBef>
-              <a:spcAft>
-                <a:spcPct val="0"/>
-              </a:spcAft>
-              <a:defRPr>
-                <a:solidFill>
-                  <a:schemeClr val="tx1"/>
-                </a:solidFill>
-                <a:latin typeface="Arial" panose="020B0604020202020204" pitchFamily="34" charset="0"/>
-              </a:defRPr>
-            </a:lvl8pPr>
-            <a:lvl9pPr eaLnBrk="0" fontAlgn="base" hangingPunct="0">
-              <a:spcBef>
-                <a:spcPct val="0"/>
-              </a:spcBef>
-              <a:spcAft>
-                <a:spcPct val="0"/>
-              </a:spcAft>
-              <a:defRPr>
-                <a:solidFill>
-                  <a:schemeClr val="tx1"/>
-                </a:solidFill>
-                <a:latin typeface="Arial" panose="020B0604020202020204" pitchFamily="34" charset="0"/>
-              </a:defRPr>
-            </a:lvl9pPr>
-          </a:lstStyle>
-          <a:p>
-            <a:pPr marL="0" marR="0" lvl="0" indent="0" algn="l" defTabSz="914400" rtl="0" eaLnBrk="0" fontAlgn="base" latinLnBrk="0" hangingPunct="0">
-              <a:lnSpc>
-                <a:spcPct val="100000"/>
-              </a:lnSpc>
-              <a:spcBef>
-                <a:spcPct val="0"/>
-              </a:spcBef>
-              <a:spcAft>
-                <a:spcPct val="0"/>
-              </a:spcAft>
-              <a:buClrTx/>
-              <a:buSzTx/>
-              <a:buFontTx/>
-              <a:buNone/>
-              <a:tabLst/>
-            </a:pPr>
-            <a:r>
-              <a:rPr kumimoji="0" lang="en-US" altLang="en-US" sz="1000" b="0" i="0" u="none" strike="noStrike" cap="none" normalizeH="0" baseline="0">
-                <a:ln>
-                  <a:noFill/>
-                </a:ln>
-                <a:solidFill>
-                  <a:srgbClr val="2086D7"/>
-                </a:solidFill>
-                <a:effectLst/>
-                <a:latin typeface="Arial Unicode MS" panose="020B0604020202020204" pitchFamily="34" charset="-122"/>
-                <a:ea typeface="Source Code Pro"/>
-                <a:hlinkClick r:id="rId2"/>
-              </a:rPr>
-              <a:t>raw-loader</a:t>
-            </a:r>
-            <a:r>
-              <a:rPr kumimoji="0" lang="en-US" altLang="en-US" sz="1200" b="0" i="0" u="none" strike="noStrike" cap="none" normalizeH="0" baseline="0">
-                <a:ln>
-                  <a:noFill/>
-                </a:ln>
-                <a:solidFill>
-                  <a:srgbClr val="2B3A42"/>
-                </a:solidFill>
-                <a:effectLst/>
-                <a:ea typeface="Source Sans Pro"/>
-              </a:rPr>
-              <a:t> </a:t>
-            </a:r>
-            <a:r>
-              <a:rPr kumimoji="0" lang="en-US" altLang="en-US" sz="800" b="0" i="0" u="none" strike="noStrike" cap="none" normalizeH="0" baseline="0">
-                <a:ln>
-                  <a:noFill/>
-                </a:ln>
-                <a:solidFill>
-                  <a:schemeClr val="tx1"/>
-                </a:solidFill>
-                <a:effectLst/>
-                <a:latin typeface="Arial" panose="020B0604020202020204" pitchFamily="34" charset="0"/>
-              </a:rPr>
-              <a:t> </a:t>
-            </a:r>
-            <a:endParaRPr kumimoji="0" lang="en-US" altLang="en-US" sz="1800" b="0" i="0" u="none" strike="noStrike" cap="none" normalizeH="0" baseline="0">
-              <a:ln>
-                <a:noFill/>
-              </a:ln>
-              <a:solidFill>
-                <a:schemeClr val="tx1"/>
-              </a:solidFill>
-              <a:effectLst/>
-              <a:latin typeface="Arial" panose="020B0604020202020204" pitchFamily="34" charset="0"/>
-            </a:endParaRPr>
           </a:p>
         </p:txBody>
       </p:sp>
@@ -12612,262 +12362,6 @@
           </a:p>
         </p:txBody>
       </p:sp>
-      <p:sp>
-        <p:nvSpPr>
-          <p:cNvPr id="5" name="Rectangle 1"/>
-          <p:cNvSpPr>
-            <a:spLocks noChangeArrowheads="1"/>
-          </p:cNvSpPr>
-          <p:nvPr/>
-        </p:nvSpPr>
-        <p:spPr bwMode="auto">
-          <a:xfrm>
-            <a:off x="0" y="0"/>
-            <a:ext cx="12192000" cy="0"/>
-          </a:xfrm>
-          <a:prstGeom prst="rect">
-            <a:avLst/>
-          </a:prstGeom>
-          <a:noFill/>
-          <a:ln>
-            <a:noFill/>
-          </a:ln>
-          <a:effectLst/>
-          <a:extLst>
-            <a:ext uri="{909E8E84-426E-40DD-AFC4-6F175D3DCCD1}">
-              <a14:hiddenFill xmlns:a14="http://schemas.microsoft.com/office/drawing/2010/main">
-                <a:solidFill>
-                  <a:schemeClr val="accent1"/>
-                </a:solidFill>
-              </a14:hiddenFill>
-            </a:ext>
-            <a:ext uri="{91240B29-F687-4F45-9708-019B960494DF}">
-              <a14:hiddenLine xmlns:a14="http://schemas.microsoft.com/office/drawing/2010/main" w="9525">
-                <a:solidFill>
-                  <a:schemeClr val="tx1"/>
-                </a:solidFill>
-                <a:miter lim="800000"/>
-                <a:headEnd/>
-                <a:tailEnd/>
-              </a14:hiddenLine>
-            </a:ext>
-            <a:ext uri="{AF507438-7753-43E0-B8FC-AC1667EBCBE1}">
-              <a14:hiddenEffects xmlns:a14="http://schemas.microsoft.com/office/drawing/2010/main">
-                <a:effectLst>
-                  <a:outerShdw dist="35921" dir="2700000" algn="ctr" rotWithShape="0">
-                    <a:schemeClr val="bg2"/>
-                  </a:outerShdw>
-                </a:effectLst>
-              </a14:hiddenEffects>
-            </a:ext>
-          </a:extLst>
-        </p:spPr>
-        <p:txBody>
-          <a:bodyPr vert="horz" wrap="square" lIns="12696" tIns="0" rIns="12696" bIns="0" numCol="1" anchor="ctr" anchorCtr="0" compatLnSpc="1">
-            <a:prstTxWarp prst="textNoShape">
-              <a:avLst/>
-            </a:prstTxWarp>
-            <a:spAutoFit/>
-          </a:bodyPr>
-          <a:lstStyle>
-            <a:lvl1pPr eaLnBrk="0" fontAlgn="base" hangingPunct="0">
-              <a:spcBef>
-                <a:spcPct val="0"/>
-              </a:spcBef>
-              <a:spcAft>
-                <a:spcPct val="0"/>
-              </a:spcAft>
-              <a:defRPr>
-                <a:solidFill>
-                  <a:schemeClr val="tx1"/>
-                </a:solidFill>
-                <a:latin typeface="Arial" panose="020B0604020202020204" pitchFamily="34" charset="0"/>
-              </a:defRPr>
-            </a:lvl1pPr>
-            <a:lvl2pPr eaLnBrk="0" fontAlgn="base" hangingPunct="0">
-              <a:spcBef>
-                <a:spcPct val="0"/>
-              </a:spcBef>
-              <a:spcAft>
-                <a:spcPct val="0"/>
-              </a:spcAft>
-              <a:defRPr>
-                <a:solidFill>
-                  <a:schemeClr val="tx1"/>
-                </a:solidFill>
-                <a:latin typeface="Arial" panose="020B0604020202020204" pitchFamily="34" charset="0"/>
-              </a:defRPr>
-            </a:lvl2pPr>
-            <a:lvl3pPr eaLnBrk="0" fontAlgn="base" hangingPunct="0">
-              <a:spcBef>
-                <a:spcPct val="0"/>
-              </a:spcBef>
-              <a:spcAft>
-                <a:spcPct val="0"/>
-              </a:spcAft>
-              <a:defRPr>
-                <a:solidFill>
-                  <a:schemeClr val="tx1"/>
-                </a:solidFill>
-                <a:latin typeface="Arial" panose="020B0604020202020204" pitchFamily="34" charset="0"/>
-              </a:defRPr>
-            </a:lvl3pPr>
-            <a:lvl4pPr eaLnBrk="0" fontAlgn="base" hangingPunct="0">
-              <a:spcBef>
-                <a:spcPct val="0"/>
-              </a:spcBef>
-              <a:spcAft>
-                <a:spcPct val="0"/>
-              </a:spcAft>
-              <a:defRPr>
-                <a:solidFill>
-                  <a:schemeClr val="tx1"/>
-                </a:solidFill>
-                <a:latin typeface="Arial" panose="020B0604020202020204" pitchFamily="34" charset="0"/>
-              </a:defRPr>
-            </a:lvl4pPr>
-            <a:lvl5pPr eaLnBrk="0" fontAlgn="base" hangingPunct="0">
-              <a:spcBef>
-                <a:spcPct val="0"/>
-              </a:spcBef>
-              <a:spcAft>
-                <a:spcPct val="0"/>
-              </a:spcAft>
-              <a:defRPr>
-                <a:solidFill>
-                  <a:schemeClr val="tx1"/>
-                </a:solidFill>
-                <a:latin typeface="Arial" panose="020B0604020202020204" pitchFamily="34" charset="0"/>
-              </a:defRPr>
-            </a:lvl5pPr>
-            <a:lvl6pPr eaLnBrk="0" fontAlgn="base" hangingPunct="0">
-              <a:spcBef>
-                <a:spcPct val="0"/>
-              </a:spcBef>
-              <a:spcAft>
-                <a:spcPct val="0"/>
-              </a:spcAft>
-              <a:defRPr>
-                <a:solidFill>
-                  <a:schemeClr val="tx1"/>
-                </a:solidFill>
-                <a:latin typeface="Arial" panose="020B0604020202020204" pitchFamily="34" charset="0"/>
-              </a:defRPr>
-            </a:lvl6pPr>
-            <a:lvl7pPr eaLnBrk="0" fontAlgn="base" hangingPunct="0">
-              <a:spcBef>
-                <a:spcPct val="0"/>
-              </a:spcBef>
-              <a:spcAft>
-                <a:spcPct val="0"/>
-              </a:spcAft>
-              <a:defRPr>
-                <a:solidFill>
-                  <a:schemeClr val="tx1"/>
-                </a:solidFill>
-                <a:latin typeface="Arial" panose="020B0604020202020204" pitchFamily="34" charset="0"/>
-              </a:defRPr>
-            </a:lvl7pPr>
-            <a:lvl8pPr eaLnBrk="0" fontAlgn="base" hangingPunct="0">
-              <a:spcBef>
-                <a:spcPct val="0"/>
-              </a:spcBef>
-              <a:spcAft>
-                <a:spcPct val="0"/>
-              </a:spcAft>
-              <a:defRPr>
-                <a:solidFill>
-                  <a:schemeClr val="tx1"/>
-                </a:solidFill>
-                <a:latin typeface="Arial" panose="020B0604020202020204" pitchFamily="34" charset="0"/>
-              </a:defRPr>
-            </a:lvl8pPr>
-            <a:lvl9pPr eaLnBrk="0" fontAlgn="base" hangingPunct="0">
-              <a:spcBef>
-                <a:spcPct val="0"/>
-              </a:spcBef>
-              <a:spcAft>
-                <a:spcPct val="0"/>
-              </a:spcAft>
-              <a:defRPr>
-                <a:solidFill>
-                  <a:schemeClr val="tx1"/>
-                </a:solidFill>
-                <a:latin typeface="Arial" panose="020B0604020202020204" pitchFamily="34" charset="0"/>
-              </a:defRPr>
-            </a:lvl9pPr>
-          </a:lstStyle>
-          <a:p>
-            <a:pPr marL="0" marR="0" lvl="0" indent="0" algn="l" defTabSz="914400" rtl="0" eaLnBrk="0" fontAlgn="base" latinLnBrk="0" hangingPunct="0">
-              <a:lnSpc>
-                <a:spcPct val="100000"/>
-              </a:lnSpc>
-              <a:spcBef>
-                <a:spcPct val="0"/>
-              </a:spcBef>
-              <a:spcAft>
-                <a:spcPct val="0"/>
-              </a:spcAft>
-              <a:buClrTx/>
-              <a:buSzTx/>
-              <a:buFontTx/>
-              <a:buNone/>
-              <a:tabLst/>
-            </a:pPr>
-            <a:r>
-              <a:rPr kumimoji="0" lang="en-US" altLang="en-US" sz="1000" b="0" i="0" u="none" strike="noStrike" cap="none" normalizeH="0" baseline="0">
-                <a:ln>
-                  <a:noFill/>
-                </a:ln>
-                <a:solidFill>
-                  <a:srgbClr val="2086D7"/>
-                </a:solidFill>
-                <a:effectLst/>
-                <a:latin typeface="Arial Unicode MS" panose="020B0604020202020204" pitchFamily="34" charset="-122"/>
-                <a:ea typeface="Source Code Pro"/>
-                <a:hlinkClick r:id="rId3"/>
-              </a:rPr>
-              <a:t>raw-loader</a:t>
-            </a:r>
-            <a:r>
-              <a:rPr kumimoji="0" lang="en-US" altLang="en-US" sz="1200" b="0" i="0" u="none" strike="noStrike" cap="none" normalizeH="0" baseline="0">
-                <a:ln>
-                  <a:noFill/>
-                </a:ln>
-                <a:solidFill>
-                  <a:srgbClr val="2B3A42"/>
-                </a:solidFill>
-                <a:effectLst/>
-                <a:ea typeface="Source Sans Pro"/>
-              </a:rPr>
-              <a:t> </a:t>
-            </a:r>
-            <a:r>
-              <a:rPr kumimoji="0" lang="en-US" altLang="en-US" sz="800" b="0" i="0" u="none" strike="noStrike" cap="none" normalizeH="0" baseline="0">
-                <a:ln>
-                  <a:noFill/>
-                </a:ln>
-                <a:solidFill>
-                  <a:schemeClr val="tx1"/>
-                </a:solidFill>
-                <a:effectLst/>
-                <a:latin typeface="Arial" panose="020B0604020202020204" pitchFamily="34" charset="0"/>
-              </a:rPr>
-              <a:t> </a:t>
-            </a:r>
-            <a:endParaRPr kumimoji="0" lang="en-US" altLang="en-US" sz="1800" b="0" i="0" u="none" strike="noStrike" cap="none" normalizeH="0" baseline="0">
-              <a:ln>
-                <a:noFill/>
-              </a:ln>
-              <a:solidFill>
-                <a:schemeClr val="tx1"/>
-              </a:solidFill>
-              <a:effectLst/>
-              <a:latin typeface="Arial" panose="020B0604020202020204" pitchFamily="34" charset="0"/>
-            </a:endParaRPr>
-          </a:p>
-        </p:txBody>
-      </p:sp>
       <p:pic>
         <p:nvPicPr>
           <p:cNvPr id="6" name="Picture 5"/>
@@ -12877,7 +12371,7 @@
           <p:nvPr/>
         </p:nvPicPr>
         <p:blipFill>
-          <a:blip r:embed="rId4"/>
+          <a:blip r:embed="rId3"/>
           <a:stretch>
             <a:fillRect/>
           </a:stretch>
@@ -12901,7 +12395,7 @@
           <p:nvPr/>
         </p:nvPicPr>
         <p:blipFill>
-          <a:blip r:embed="rId5"/>
+          <a:blip r:embed="rId4"/>
           <a:stretch>
             <a:fillRect/>
           </a:stretch>
@@ -18839,6 +18333,15 @@
 </file>
 
 <file path=customXml/item1.xml><?xml version="1.0" encoding="utf-8"?>
+<?mso-contentType ?>
+<FormTemplates xmlns="http://schemas.microsoft.com/sharepoint/v3/contenttype/forms">
+  <Display>DocumentLibraryForm</Display>
+  <Edit>DocumentLibraryForm</Edit>
+  <New>DocumentLibraryForm</New>
+</FormTemplates>
+</file>
+
+<file path=customXml/item2.xml><?xml version="1.0" encoding="utf-8"?>
 <ct:contentTypeSchema xmlns:ct="http://schemas.microsoft.com/office/2006/metadata/contentType" xmlns:ma="http://schemas.microsoft.com/office/2006/metadata/properties/metaAttributes" ct:_="" ma:_="" ma:contentTypeName="Document" ma:contentTypeID="0x0101004A6A41BA03133F4D9909FFE7D0907B5D" ma:contentTypeVersion="0" ma:contentTypeDescription="Create a new document." ma:contentTypeScope="" ma:versionID="ec9ca77658f11de320fafc408b2cf7c4">
   <xsd:schema xmlns:xsd="http://www.w3.org/2001/XMLSchema" xmlns:p="http://schemas.microsoft.com/office/2006/metadata/properties" targetNamespace="http://schemas.microsoft.com/office/2006/metadata/properties" ma:root="true" ma:fieldsID="4aeb20c0e3442673af7ee10786458764">
     <xsd:element name="properties">
@@ -18887,15 +18390,6 @@
 </ct:contentTypeSchema>
 </file>
 
-<file path=customXml/item2.xml><?xml version="1.0" encoding="utf-8"?>
-<?mso-contentType ?>
-<FormTemplates xmlns="http://schemas.microsoft.com/sharepoint/v3/contenttype/forms">
-  <Display>DocumentLibraryForm</Display>
-  <Edit>DocumentLibraryForm</Edit>
-  <New>DocumentLibraryForm</New>
-</FormTemplates>
-</file>
-
 <file path=customXml/item3.xml><?xml version="1.0" encoding="utf-8"?>
 <p:properties xmlns:p="http://schemas.microsoft.com/office/2006/metadata/properties" xmlns:xsi="http://www.w3.org/2001/XMLSchema-instance">
   <documentManagement/>
@@ -18903,6 +18397,14 @@
 </file>
 
 <file path=customXml/itemProps1.xml><?xml version="1.0" encoding="utf-8"?>
+<ds:datastoreItem xmlns:ds="http://schemas.openxmlformats.org/officeDocument/2006/customXml" ds:itemID="{AF2462E9-E3C6-4B9B-800D-1AA92DB6FEE6}">
+  <ds:schemaRefs>
+    <ds:schemaRef ds:uri="http://schemas.microsoft.com/sharepoint/v3/contenttype/forms"/>
+  </ds:schemaRefs>
+</ds:datastoreItem>
+</file>
+
+<file path=customXml/itemProps2.xml><?xml version="1.0" encoding="utf-8"?>
 <ds:datastoreItem xmlns:ds="http://schemas.openxmlformats.org/officeDocument/2006/customXml" ds:itemID="{7C87F021-393A-41F0-B687-0AD161F782BF}">
   <ds:schemaRefs>
     <ds:schemaRef ds:uri="http://schemas.microsoft.com/office/2006/metadata/contentType"/>
@@ -18917,14 +18419,6 @@
 </ds:datastoreItem>
 </file>
 
-<file path=customXml/itemProps2.xml><?xml version="1.0" encoding="utf-8"?>
-<ds:datastoreItem xmlns:ds="http://schemas.openxmlformats.org/officeDocument/2006/customXml" ds:itemID="{AF2462E9-E3C6-4B9B-800D-1AA92DB6FEE6}">
-  <ds:schemaRefs>
-    <ds:schemaRef ds:uri="http://schemas.microsoft.com/sharepoint/v3/contenttype/forms"/>
-  </ds:schemaRefs>
-</ds:datastoreItem>
-</file>
-
 <file path=customXml/itemProps3.xml><?xml version="1.0" encoding="utf-8"?>
 <ds:datastoreItem xmlns:ds="http://schemas.openxmlformats.org/officeDocument/2006/customXml" ds:itemID="{BC974159-165D-43A7-BAC0-2BE7E1872CAD}">
   <ds:schemaRefs>
